--- a/document/PPT Final Test.pptx
+++ b/document/PPT Final Test.pptx
@@ -207,7 +207,7 @@
           <a:p>
             <a:fld id="{63937D59-5EDB-4C39-B697-625748F703B6}" type="datetimeFigureOut">
               <a:rPr lang="en-US" smtClean="0"/>
-              <a:t>8/9/2017</a:t>
+              <a:t>8/10/2017</a:t>
             </a:fld>
             <a:endParaRPr lang="en-US"/>
           </a:p>
@@ -484,7 +484,7 @@
           <a:p>
             <a:fld id="{63937D59-5EDB-4C39-B697-625748F703B6}" type="datetimeFigureOut">
               <a:rPr lang="en-US" smtClean="0"/>
-              <a:t>8/9/2017</a:t>
+              <a:t>8/10/2017</a:t>
             </a:fld>
             <a:endParaRPr lang="en-US"/>
           </a:p>
@@ -737,7 +737,7 @@
           <a:p>
             <a:fld id="{63937D59-5EDB-4C39-B697-625748F703B6}" type="datetimeFigureOut">
               <a:rPr lang="en-US" smtClean="0"/>
-              <a:t>8/9/2017</a:t>
+              <a:t>8/10/2017</a:t>
             </a:fld>
             <a:endParaRPr lang="en-US"/>
           </a:p>
@@ -907,7 +907,7 @@
           <a:p>
             <a:fld id="{63937D59-5EDB-4C39-B697-625748F703B6}" type="datetimeFigureOut">
               <a:rPr lang="en-US" smtClean="0"/>
-              <a:t>8/9/2017</a:t>
+              <a:t>8/10/2017</a:t>
             </a:fld>
             <a:endParaRPr lang="en-US"/>
           </a:p>
@@ -1087,7 +1087,7 @@
           <a:p>
             <a:fld id="{63937D59-5EDB-4C39-B697-625748F703B6}" type="datetimeFigureOut">
               <a:rPr lang="en-US" smtClean="0"/>
-              <a:t>8/9/2017</a:t>
+              <a:t>8/10/2017</a:t>
             </a:fld>
             <a:endParaRPr lang="en-US"/>
           </a:p>
@@ -1682,7 +1682,7 @@
           <a:p>
             <a:fld id="{63937D59-5EDB-4C39-B697-625748F703B6}" type="datetimeFigureOut">
               <a:rPr lang="en-US" smtClean="0"/>
-              <a:t>8/9/2017</a:t>
+              <a:t>8/10/2017</a:t>
             </a:fld>
             <a:endParaRPr lang="en-US"/>
           </a:p>
@@ -1852,7 +1852,7 @@
           <a:p>
             <a:fld id="{63937D59-5EDB-4C39-B697-625748F703B6}" type="datetimeFigureOut">
               <a:rPr lang="en-US" smtClean="0"/>
-              <a:t>8/9/2017</a:t>
+              <a:t>8/10/2017</a:t>
             </a:fld>
             <a:endParaRPr lang="en-US"/>
           </a:p>
@@ -2098,7 +2098,7 @@
           <a:p>
             <a:fld id="{63937D59-5EDB-4C39-B697-625748F703B6}" type="datetimeFigureOut">
               <a:rPr lang="en-US" smtClean="0"/>
-              <a:t>8/9/2017</a:t>
+              <a:t>8/10/2017</a:t>
             </a:fld>
             <a:endParaRPr lang="en-US"/>
           </a:p>
@@ -2386,7 +2386,7 @@
           <a:p>
             <a:fld id="{63937D59-5EDB-4C39-B697-625748F703B6}" type="datetimeFigureOut">
               <a:rPr lang="en-US" smtClean="0"/>
-              <a:t>8/9/2017</a:t>
+              <a:t>8/10/2017</a:t>
             </a:fld>
             <a:endParaRPr lang="en-US"/>
           </a:p>
@@ -2808,7 +2808,7 @@
           <a:p>
             <a:fld id="{63937D59-5EDB-4C39-B697-625748F703B6}" type="datetimeFigureOut">
               <a:rPr lang="en-US" smtClean="0"/>
-              <a:t>8/9/2017</a:t>
+              <a:t>8/10/2017</a:t>
             </a:fld>
             <a:endParaRPr lang="en-US"/>
           </a:p>
@@ -2926,7 +2926,7 @@
           <a:p>
             <a:fld id="{63937D59-5EDB-4C39-B697-625748F703B6}" type="datetimeFigureOut">
               <a:rPr lang="en-US" smtClean="0"/>
-              <a:t>8/9/2017</a:t>
+              <a:t>8/10/2017</a:t>
             </a:fld>
             <a:endParaRPr lang="en-US"/>
           </a:p>
@@ -3430,7 +3430,7 @@
           <a:p>
             <a:fld id="{63937D59-5EDB-4C39-B697-625748F703B6}" type="datetimeFigureOut">
               <a:rPr lang="en-US" smtClean="0"/>
-              <a:t>8/9/2017</a:t>
+              <a:t>8/10/2017</a:t>
             </a:fld>
             <a:endParaRPr lang="en-US"/>
           </a:p>
@@ -4210,7 +4210,6 @@
               <a:rPr lang="en-US" altLang="ko-KR" sz="1800" b="1" dirty="0" smtClean="0"/>
               <a:t> :</a:t>
             </a:r>
-            <a:endParaRPr lang="en-US" altLang="ko-KR" sz="1800" b="1" dirty="0" smtClean="0"/>
           </a:p>
           <a:p>
             <a:endParaRPr lang="en-US" altLang="ko-KR" sz="1800" dirty="0" smtClean="0"/>
@@ -5494,11 +5493,11 @@
               <a:buChar char="•"/>
             </a:pPr>
             <a:r>
-              <a:rPr lang="en-US" dirty="0"/>
+              <a:rPr lang="en-US" sz="1800" dirty="0"/>
               <a:t>Upcoming </a:t>
             </a:r>
             <a:r>
-              <a:rPr lang="en-US" dirty="0" smtClean="0"/>
+              <a:rPr lang="en-US" sz="1800" dirty="0" smtClean="0"/>
               <a:t>Booking</a:t>
             </a:r>
           </a:p>
@@ -5508,15 +5507,15 @@
               <a:buChar char="•"/>
             </a:pPr>
             <a:r>
-              <a:rPr lang="en-US" dirty="0" smtClean="0"/>
+              <a:rPr lang="en-US" sz="1800" dirty="0" smtClean="0"/>
               <a:t>Your </a:t>
             </a:r>
             <a:r>
-              <a:rPr lang="en-US" dirty="0"/>
+              <a:rPr lang="en-US" sz="1800" dirty="0"/>
               <a:t>Booking (Upcoming, Past, </a:t>
             </a:r>
             <a:r>
-              <a:rPr lang="en-US" dirty="0" smtClean="0"/>
+              <a:rPr lang="en-US" sz="1800" dirty="0" smtClean="0"/>
               <a:t>Cancelled)</a:t>
             </a:r>
           </a:p>
@@ -5526,7 +5525,7 @@
               <a:buChar char="•"/>
             </a:pPr>
             <a:r>
-              <a:rPr lang="en-US" dirty="0" smtClean="0"/>
+              <a:rPr lang="en-US" sz="1800" dirty="0" smtClean="0"/>
               <a:t>Add Booking</a:t>
             </a:r>
           </a:p>
@@ -5536,10 +5535,10 @@
               <a:buChar char="•"/>
             </a:pPr>
             <a:r>
-              <a:rPr lang="en-US" dirty="0" smtClean="0"/>
+              <a:rPr lang="en-US" sz="1800" dirty="0" smtClean="0"/>
               <a:t>Extends Booking</a:t>
             </a:r>
-            <a:endParaRPr lang="en-US" dirty="0"/>
+            <a:endParaRPr lang="en-US" sz="1800" dirty="0"/>
           </a:p>
         </p:txBody>
       </p:sp>
